--- a/15-TypeScript/ts.pptx
+++ b/15-TypeScript/ts.pptx
@@ -3411,32 +3411,89 @@
           </a:p>
         </p:txBody>
       </p:sp>
-      <p:pic>
-        <p:nvPicPr>
-          <p:cNvPr id="4" name="Content Placeholder 2"/>
-          <p:cNvPicPr>
-            <a:picLocks noGrp="1" noChangeAspect="1"/>
-          </p:cNvPicPr>
+      <p:sp>
+        <p:nvSpPr>
+          <p:cNvPr id="3" name="Content Placeholder 2"/>
+          <p:cNvSpPr>
+            <a:spLocks noGrp="1"/>
+          </p:cNvSpPr>
           <p:nvPr>
             <p:ph idx="1"/>
           </p:nvPr>
-        </p:nvPicPr>
-        <p:blipFill>
-          <a:blip r:embed="rId2"/>
-          <a:stretch>
-            <a:fillRect/>
-          </a:stretch>
-        </p:blipFill>
-        <p:spPr>
-          <a:xfrm>
-            <a:off x="2398471" y="1825625"/>
-            <a:ext cx="7395058" cy="4351338"/>
-          </a:xfrm>
-          <a:prstGeom prst="rect">
-            <a:avLst/>
-          </a:prstGeom>
-        </p:spPr>
-      </p:pic>
+        </p:nvSpPr>
+        <p:spPr/>
+        <p:txBody>
+          <a:bodyPr>
+            <a:normAutofit lnSpcReduction="10000"/>
+          </a:bodyPr>
+          <a:lstStyle/>
+          <a:p>
+            <a:r>
+              <a:rPr lang="en-US" dirty="0"/>
+              <a:t>[]+[]</a:t>
+            </a:r>
+          </a:p>
+          <a:p>
+            <a:r>
+              <a:rPr lang="en-US" dirty="0"/>
+              <a:t>[]-[]</a:t>
+            </a:r>
+          </a:p>
+          <a:p>
+            <a:r>
+              <a:rPr lang="en-US" dirty="0"/>
+              <a:t>[]+{}</a:t>
+            </a:r>
+          </a:p>
+          <a:p>
+            <a:r>
+              <a:rPr lang="en-US" dirty="0"/>
+              <a:t>[]-{}</a:t>
+            </a:r>
+          </a:p>
+          <a:p>
+            <a:r>
+              <a:rPr lang="en-US" dirty="0"/>
+              <a:t>Array(5).join(‘Cool’)</a:t>
+            </a:r>
+          </a:p>
+          <a:p>
+            <a:r>
+              <a:rPr lang="en-US" dirty="0"/>
+              <a:t>Array(5).join(‘Cool’+1) </a:t>
+            </a:r>
+          </a:p>
+          <a:p>
+            <a:r>
+              <a:rPr lang="en-US" dirty="0"/>
+              <a:t>`BA${Array(2).join(‘Cool’-1)}A`</a:t>
+            </a:r>
+          </a:p>
+          <a:p>
+            <a:r>
+              <a:rPr lang="en-US" dirty="0"/>
+              <a:t>result='';for(</a:t>
+            </a:r>
+            <a:r>
+              <a:rPr lang="en-US" dirty="0" err="1"/>
+              <a:t>idx</a:t>
+            </a:r>
+            <a:r>
+              <a:rPr lang="en-US" dirty="0"/>
+              <a:t>=0;idx&lt;5;idx++){result=`${result} ${</a:t>
+            </a:r>
+            <a:r>
+              <a:rPr lang="en-US" dirty="0" err="1"/>
+              <a:t>idx</a:t>
+            </a:r>
+            <a:r>
+              <a:rPr lang="en-US"/>
+              <a:t>} `;}console.log(result);</a:t>
+            </a:r>
+            <a:endParaRPr lang="en-US" dirty="0"/>
+          </a:p>
+        </p:txBody>
+      </p:sp>
     </p:spTree>
     <p:extLst>
       <p:ext uri="{BB962C8B-B14F-4D97-AF65-F5344CB8AC3E}">
